--- a/Наработки/диздоки/Бразилия/Бразилия общая.pptx
+++ b/Наработки/диздоки/Бразилия/Бразилия общая.pptx
@@ -209,7 +209,7 @@
             <a:fld id="{33E3D7F9-E251-484C-A6FF-FA958879DF69}" type="datetimeFigureOut">
               <a:rPr lang="ru-RU" smtClean="0"/>
               <a:pPr/>
-              <a:t>03.02.2021</a:t>
+              <a:t>29.06.2021</a:t>
             </a:fld>
             <a:endParaRPr lang="ru-RU"/>
           </a:p>
@@ -700,7 +700,7 @@
             <a:fld id="{85A5DE44-605B-4D3B-B2B7-94543DF81A36}" type="datetimeFigureOut">
               <a:rPr lang="ru-RU" smtClean="0"/>
               <a:pPr/>
-              <a:t>03.02.2021</a:t>
+              <a:t>29.06.2021</a:t>
             </a:fld>
             <a:endParaRPr lang="ru-RU"/>
           </a:p>
@@ -872,7 +872,7 @@
             <a:fld id="{85A5DE44-605B-4D3B-B2B7-94543DF81A36}" type="datetimeFigureOut">
               <a:rPr lang="ru-RU" smtClean="0"/>
               <a:pPr/>
-              <a:t>03.02.2021</a:t>
+              <a:t>29.06.2021</a:t>
             </a:fld>
             <a:endParaRPr lang="ru-RU"/>
           </a:p>
@@ -1054,7 +1054,7 @@
             <a:fld id="{85A5DE44-605B-4D3B-B2B7-94543DF81A36}" type="datetimeFigureOut">
               <a:rPr lang="ru-RU" smtClean="0"/>
               <a:pPr/>
-              <a:t>03.02.2021</a:t>
+              <a:t>29.06.2021</a:t>
             </a:fld>
             <a:endParaRPr lang="ru-RU"/>
           </a:p>
@@ -1226,7 +1226,7 @@
             <a:fld id="{85A5DE44-605B-4D3B-B2B7-94543DF81A36}" type="datetimeFigureOut">
               <a:rPr lang="ru-RU" smtClean="0"/>
               <a:pPr/>
-              <a:t>03.02.2021</a:t>
+              <a:t>29.06.2021</a:t>
             </a:fld>
             <a:endParaRPr lang="ru-RU"/>
           </a:p>
@@ -1474,7 +1474,7 @@
             <a:fld id="{85A5DE44-605B-4D3B-B2B7-94543DF81A36}" type="datetimeFigureOut">
               <a:rPr lang="ru-RU" smtClean="0"/>
               <a:pPr/>
-              <a:t>03.02.2021</a:t>
+              <a:t>29.06.2021</a:t>
             </a:fld>
             <a:endParaRPr lang="ru-RU"/>
           </a:p>
@@ -1708,7 +1708,7 @@
             <a:fld id="{85A5DE44-605B-4D3B-B2B7-94543DF81A36}" type="datetimeFigureOut">
               <a:rPr lang="ru-RU" smtClean="0"/>
               <a:pPr/>
-              <a:t>03.02.2021</a:t>
+              <a:t>29.06.2021</a:t>
             </a:fld>
             <a:endParaRPr lang="ru-RU"/>
           </a:p>
@@ -2077,7 +2077,7 @@
             <a:fld id="{85A5DE44-605B-4D3B-B2B7-94543DF81A36}" type="datetimeFigureOut">
               <a:rPr lang="ru-RU" smtClean="0"/>
               <a:pPr/>
-              <a:t>03.02.2021</a:t>
+              <a:t>29.06.2021</a:t>
             </a:fld>
             <a:endParaRPr lang="ru-RU"/>
           </a:p>
@@ -2197,7 +2197,7 @@
             <a:fld id="{85A5DE44-605B-4D3B-B2B7-94543DF81A36}" type="datetimeFigureOut">
               <a:rPr lang="ru-RU" smtClean="0"/>
               <a:pPr/>
-              <a:t>03.02.2021</a:t>
+              <a:t>29.06.2021</a:t>
             </a:fld>
             <a:endParaRPr lang="ru-RU"/>
           </a:p>
@@ -2294,7 +2294,7 @@
             <a:fld id="{85A5DE44-605B-4D3B-B2B7-94543DF81A36}" type="datetimeFigureOut">
               <a:rPr lang="ru-RU" smtClean="0"/>
               <a:pPr/>
-              <a:t>03.02.2021</a:t>
+              <a:t>29.06.2021</a:t>
             </a:fld>
             <a:endParaRPr lang="ru-RU"/>
           </a:p>
@@ -2573,7 +2573,7 @@
             <a:fld id="{85A5DE44-605B-4D3B-B2B7-94543DF81A36}" type="datetimeFigureOut">
               <a:rPr lang="ru-RU" smtClean="0"/>
               <a:pPr/>
-              <a:t>03.02.2021</a:t>
+              <a:t>29.06.2021</a:t>
             </a:fld>
             <a:endParaRPr lang="ru-RU"/>
           </a:p>
@@ -2832,7 +2832,7 @@
             <a:fld id="{85A5DE44-605B-4D3B-B2B7-94543DF81A36}" type="datetimeFigureOut">
               <a:rPr lang="ru-RU" smtClean="0"/>
               <a:pPr/>
-              <a:t>03.02.2021</a:t>
+              <a:t>29.06.2021</a:t>
             </a:fld>
             <a:endParaRPr lang="ru-RU"/>
           </a:p>
@@ -3047,7 +3047,7 @@
             <a:fld id="{85A5DE44-605B-4D3B-B2B7-94543DF81A36}" type="datetimeFigureOut">
               <a:rPr lang="ru-RU" smtClean="0"/>
               <a:pPr/>
-              <a:t>03.02.2021</a:t>
+              <a:t>29.06.2021</a:t>
             </a:fld>
             <a:endParaRPr lang="ru-RU"/>
           </a:p>
@@ -4572,7 +4572,7 @@
         </p:nvCxnSpPr>
         <p:spPr>
           <a:xfrm rot="5400000">
-            <a:off x="3033265" y="7877019"/>
+            <a:off x="5504537" y="6361544"/>
             <a:ext cx="257949" cy="1075532"/>
           </a:xfrm>
           <a:prstGeom prst="bentConnector3">
@@ -4692,7 +4692,6 @@
               <a:rPr lang="ru-RU" sz="700" dirty="0" smtClean="0"/>
               <a:t>Переворот 1938 года</a:t>
             </a:r>
-            <a:endParaRPr lang="ru-RU" sz="700" dirty="0" smtClean="0"/>
           </a:p>
         </p:txBody>
       </p:sp>
@@ -5174,7 +5173,7 @@
         </p:nvSpPr>
         <p:spPr>
           <a:xfrm>
-            <a:off x="6989872" y="9338981"/>
+            <a:off x="9461144" y="7823506"/>
             <a:ext cx="926325" cy="540000"/>
           </a:xfrm>
           <a:prstGeom prst="rect">
@@ -5217,7 +5216,7 @@
         </p:nvSpPr>
         <p:spPr>
           <a:xfrm>
-            <a:off x="8054018" y="9338981"/>
+            <a:off x="10525290" y="7823506"/>
             <a:ext cx="956205" cy="540000"/>
           </a:xfrm>
           <a:prstGeom prst="rect">
@@ -5268,7 +5267,7 @@
         </p:nvSpPr>
         <p:spPr>
           <a:xfrm>
-            <a:off x="6453602" y="8543760"/>
+            <a:off x="8924874" y="7028285"/>
             <a:ext cx="926325" cy="540000"/>
           </a:xfrm>
           <a:prstGeom prst="rect">
@@ -5311,7 +5310,7 @@
         </p:nvSpPr>
         <p:spPr>
           <a:xfrm>
-            <a:off x="5382988" y="8543760"/>
+            <a:off x="7854260" y="7028285"/>
             <a:ext cx="926325" cy="540000"/>
           </a:xfrm>
           <a:prstGeom prst="rect">
@@ -5366,7 +5365,7 @@
         </p:nvSpPr>
         <p:spPr>
           <a:xfrm>
-            <a:off x="6989871" y="7745810"/>
+            <a:off x="9461143" y="6230335"/>
             <a:ext cx="926325" cy="540000"/>
           </a:xfrm>
           <a:prstGeom prst="rect">
@@ -5409,7 +5408,7 @@
         </p:nvSpPr>
         <p:spPr>
           <a:xfrm>
-            <a:off x="3236842" y="8543760"/>
+            <a:off x="5708114" y="7028285"/>
             <a:ext cx="926325" cy="540000"/>
           </a:xfrm>
           <a:prstGeom prst="rect">
@@ -5452,7 +5451,7 @@
         </p:nvSpPr>
         <p:spPr>
           <a:xfrm>
-            <a:off x="7529751" y="8543760"/>
+            <a:off x="10001023" y="7028285"/>
             <a:ext cx="926325" cy="540000"/>
           </a:xfrm>
           <a:prstGeom prst="rect">
@@ -5575,7 +5574,7 @@
         </p:nvSpPr>
         <p:spPr>
           <a:xfrm>
-            <a:off x="4845588" y="9338981"/>
+            <a:off x="7316860" y="7823506"/>
             <a:ext cx="926325" cy="540000"/>
           </a:xfrm>
           <a:prstGeom prst="rect">
@@ -5634,7 +5633,7 @@
         </p:nvSpPr>
         <p:spPr>
           <a:xfrm>
-            <a:off x="8594690" y="8543760"/>
+            <a:off x="11065962" y="7028285"/>
             <a:ext cx="926325" cy="540000"/>
           </a:xfrm>
           <a:prstGeom prst="rect">
@@ -5693,7 +5692,7 @@
         </p:nvSpPr>
         <p:spPr>
           <a:xfrm>
-            <a:off x="5382987" y="10134202"/>
+            <a:off x="7854259" y="8618727"/>
             <a:ext cx="926325" cy="540000"/>
           </a:xfrm>
           <a:prstGeom prst="rect">
@@ -5747,7 +5746,7 @@
         </p:nvSpPr>
         <p:spPr>
           <a:xfrm>
-            <a:off x="9152814" y="9337512"/>
+            <a:off x="11624086" y="7822037"/>
             <a:ext cx="926325" cy="540000"/>
           </a:xfrm>
           <a:prstGeom prst="rect">
@@ -5814,7 +5813,7 @@
         </p:nvSpPr>
         <p:spPr>
           <a:xfrm>
-            <a:off x="5914339" y="7745810"/>
+            <a:off x="8385611" y="6230335"/>
             <a:ext cx="926325" cy="540000"/>
           </a:xfrm>
           <a:prstGeom prst="rect">
@@ -5883,7 +5882,7 @@
         </p:nvSpPr>
         <p:spPr>
           <a:xfrm>
-            <a:off x="4312374" y="8543760"/>
+            <a:off x="6783646" y="7028285"/>
             <a:ext cx="926325" cy="540000"/>
           </a:xfrm>
           <a:prstGeom prst="rect">
@@ -5926,7 +5925,7 @@
         </p:nvSpPr>
         <p:spPr>
           <a:xfrm>
-            <a:off x="2161310" y="8543760"/>
+            <a:off x="4632582" y="7028285"/>
             <a:ext cx="926325" cy="540000"/>
           </a:xfrm>
           <a:prstGeom prst="rect">
@@ -5981,7 +5980,7 @@
         </p:nvSpPr>
         <p:spPr>
           <a:xfrm>
-            <a:off x="3770779" y="9339431"/>
+            <a:off x="6242051" y="7823956"/>
             <a:ext cx="926325" cy="540000"/>
           </a:xfrm>
           <a:prstGeom prst="rect">
@@ -6024,7 +6023,7 @@
         </p:nvSpPr>
         <p:spPr>
           <a:xfrm>
-            <a:off x="2689153" y="9341709"/>
+            <a:off x="5160425" y="7826234"/>
             <a:ext cx="926325" cy="540000"/>
           </a:xfrm>
           <a:prstGeom prst="rect">
@@ -6070,7 +6069,7 @@
         </p:nvCxnSpPr>
         <p:spPr>
           <a:xfrm>
-            <a:off x="3087635" y="8813760"/>
+            <a:off x="5558907" y="7298285"/>
             <a:ext cx="149207" cy="0"/>
           </a:xfrm>
           <a:prstGeom prst="line">
@@ -6108,7 +6107,7 @@
         </p:nvCxnSpPr>
         <p:spPr>
           <a:xfrm>
-            <a:off x="4163167" y="8813760"/>
+            <a:off x="6634439" y="7298285"/>
             <a:ext cx="149207" cy="0"/>
           </a:xfrm>
           <a:prstGeom prst="line">
@@ -6143,7 +6142,7 @@
         </p:nvSpPr>
         <p:spPr>
           <a:xfrm>
-            <a:off x="8068172" y="7745810"/>
+            <a:off x="10539444" y="6230335"/>
             <a:ext cx="926325" cy="540000"/>
           </a:xfrm>
           <a:prstGeom prst="rect">
@@ -6186,7 +6185,7 @@
         </p:nvSpPr>
         <p:spPr>
           <a:xfrm>
-            <a:off x="5920397" y="9338981"/>
+            <a:off x="8391669" y="7823506"/>
             <a:ext cx="926325" cy="540000"/>
           </a:xfrm>
           <a:prstGeom prst="rect">
@@ -6441,7 +6440,7 @@
         </p:nvSpPr>
         <p:spPr>
           <a:xfrm>
-            <a:off x="3236842" y="7745811"/>
+            <a:off x="5708114" y="6230336"/>
             <a:ext cx="926325" cy="540000"/>
           </a:xfrm>
           <a:prstGeom prst="rect">
@@ -6529,7 +6528,7 @@
         </p:nvCxnSpPr>
         <p:spPr>
           <a:xfrm rot="16200000" flipH="1">
-            <a:off x="4108797" y="7877019"/>
+            <a:off x="6580069" y="6361544"/>
             <a:ext cx="257949" cy="1075532"/>
           </a:xfrm>
           <a:prstGeom prst="bentConnector3">
@@ -6567,7 +6566,7 @@
         </p:nvCxnSpPr>
         <p:spPr>
           <a:xfrm>
-            <a:off x="3700005" y="8285811"/>
+            <a:off x="6171277" y="6770336"/>
             <a:ext cx="0" cy="257949"/>
           </a:xfrm>
           <a:prstGeom prst="straightConnector1">
@@ -6603,7 +6602,7 @@
         </p:nvCxnSpPr>
         <p:spPr>
           <a:xfrm rot="16200000" flipH="1">
-            <a:off x="2759420" y="8948812"/>
+            <a:off x="5230692" y="7433337"/>
             <a:ext cx="257949" cy="527843"/>
           </a:xfrm>
           <a:prstGeom prst="bentConnector3">
@@ -6642,7 +6641,7 @@
         </p:nvCxnSpPr>
         <p:spPr>
           <a:xfrm rot="5400000">
-            <a:off x="3297187" y="8938890"/>
+            <a:off x="5768459" y="7423415"/>
             <a:ext cx="257949" cy="547689"/>
           </a:xfrm>
           <a:prstGeom prst="bentConnector3">
@@ -6681,7 +6680,7 @@
         </p:nvCxnSpPr>
         <p:spPr>
           <a:xfrm rot="16200000" flipH="1">
-            <a:off x="3839138" y="8944626"/>
+            <a:off x="6310410" y="7429151"/>
             <a:ext cx="255671" cy="533937"/>
           </a:xfrm>
           <a:prstGeom prst="bentConnector3">
@@ -6720,7 +6719,7 @@
         </p:nvCxnSpPr>
         <p:spPr>
           <a:xfrm rot="5400000">
-            <a:off x="4376905" y="8940798"/>
+            <a:off x="6848177" y="7425323"/>
             <a:ext cx="255671" cy="541595"/>
           </a:xfrm>
           <a:prstGeom prst="bentConnector3">
@@ -6759,7 +6758,7 @@
         </p:nvCxnSpPr>
         <p:spPr>
           <a:xfrm flipV="1">
-            <a:off x="3615478" y="9609431"/>
+            <a:off x="6086750" y="8093956"/>
             <a:ext cx="155301" cy="2278"/>
           </a:xfrm>
           <a:prstGeom prst="line">
@@ -6878,7 +6877,7 @@
         </p:nvSpPr>
         <p:spPr>
           <a:xfrm>
-            <a:off x="4836038" y="7745810"/>
+            <a:off x="7307310" y="6230335"/>
             <a:ext cx="926325" cy="540000"/>
           </a:xfrm>
           <a:prstGeom prst="rect">
@@ -6960,7 +6959,7 @@
         </p:nvCxnSpPr>
         <p:spPr>
           <a:xfrm rot="16200000" flipH="1">
-            <a:off x="5443701" y="8141310"/>
+            <a:off x="7914973" y="6625835"/>
             <a:ext cx="257950" cy="546950"/>
           </a:xfrm>
           <a:prstGeom prst="bentConnector3">
@@ -6998,7 +6997,7 @@
         </p:nvCxnSpPr>
         <p:spPr>
           <a:xfrm rot="5400000">
-            <a:off x="5982852" y="8149110"/>
+            <a:off x="8454124" y="6633635"/>
             <a:ext cx="257950" cy="531351"/>
           </a:xfrm>
           <a:prstGeom prst="bentConnector3">
@@ -7036,7 +7035,7 @@
         </p:nvCxnSpPr>
         <p:spPr>
           <a:xfrm rot="16200000" flipH="1">
-            <a:off x="6518158" y="8145153"/>
+            <a:off x="8989430" y="6629678"/>
             <a:ext cx="257950" cy="539263"/>
           </a:xfrm>
           <a:prstGeom prst="bentConnector3">
@@ -7074,7 +7073,7 @@
         </p:nvCxnSpPr>
         <p:spPr>
           <a:xfrm rot="5400000">
-            <a:off x="7055925" y="8146651"/>
+            <a:off x="9527197" y="6631176"/>
             <a:ext cx="257950" cy="536269"/>
           </a:xfrm>
           <a:prstGeom prst="bentConnector3">
@@ -7112,7 +7111,7 @@
         </p:nvCxnSpPr>
         <p:spPr>
           <a:xfrm rot="16200000" flipH="1">
-            <a:off x="7593999" y="8144845"/>
+            <a:off x="10065271" y="6629370"/>
             <a:ext cx="257950" cy="539880"/>
           </a:xfrm>
           <a:prstGeom prst="bentConnector3">
@@ -7150,7 +7149,7 @@
         </p:nvCxnSpPr>
         <p:spPr>
           <a:xfrm rot="5400000">
-            <a:off x="8133150" y="8145575"/>
+            <a:off x="10604422" y="6630100"/>
             <a:ext cx="257950" cy="538421"/>
           </a:xfrm>
           <a:prstGeom prst="bentConnector3">
@@ -7188,7 +7187,7 @@
         </p:nvCxnSpPr>
         <p:spPr>
           <a:xfrm rot="16200000" flipH="1">
-            <a:off x="8665619" y="8151526"/>
+            <a:off x="11136891" y="6636051"/>
             <a:ext cx="257950" cy="526518"/>
           </a:xfrm>
           <a:prstGeom prst="bentConnector3">
@@ -7226,7 +7225,7 @@
         </p:nvCxnSpPr>
         <p:spPr>
           <a:xfrm rot="16200000" flipH="1">
-            <a:off x="9210039" y="8931574"/>
+            <a:off x="11681311" y="7416099"/>
             <a:ext cx="253752" cy="558124"/>
           </a:xfrm>
           <a:prstGeom prst="bentConnector3">
@@ -7264,7 +7263,7 @@
         </p:nvCxnSpPr>
         <p:spPr>
           <a:xfrm rot="5400000">
-            <a:off x="8667377" y="8948504"/>
+            <a:off x="11138649" y="7433029"/>
             <a:ext cx="255221" cy="525732"/>
           </a:xfrm>
           <a:prstGeom prst="bentConnector3">
@@ -7302,7 +7301,7 @@
         </p:nvCxnSpPr>
         <p:spPr>
           <a:xfrm rot="5400000">
-            <a:off x="7595365" y="8941431"/>
+            <a:off x="10066637" y="7425956"/>
             <a:ext cx="255221" cy="539879"/>
           </a:xfrm>
           <a:prstGeom prst="bentConnector3">
@@ -7340,7 +7339,7 @@
         </p:nvCxnSpPr>
         <p:spPr>
           <a:xfrm rot="16200000" flipH="1">
-            <a:off x="8134907" y="8941766"/>
+            <a:off x="10606179" y="7426291"/>
             <a:ext cx="255221" cy="539207"/>
           </a:xfrm>
           <a:prstGeom prst="bentConnector3">
@@ -7378,7 +7377,7 @@
         </p:nvCxnSpPr>
         <p:spPr>
           <a:xfrm rot="16200000" flipH="1">
-            <a:off x="7057290" y="8943235"/>
+            <a:off x="9528562" y="7427760"/>
             <a:ext cx="255221" cy="536270"/>
           </a:xfrm>
           <a:prstGeom prst="bentConnector3">
@@ -7416,7 +7415,7 @@
         </p:nvCxnSpPr>
         <p:spPr>
           <a:xfrm rot="5400000">
-            <a:off x="6522553" y="8944768"/>
+            <a:off x="8993825" y="7429293"/>
             <a:ext cx="255221" cy="533205"/>
           </a:xfrm>
           <a:prstGeom prst="bentConnector3">
@@ -7454,7 +7453,7 @@
         </p:nvCxnSpPr>
         <p:spPr>
           <a:xfrm rot="16200000" flipH="1">
-            <a:off x="5987245" y="8942665"/>
+            <a:off x="8458517" y="7427190"/>
             <a:ext cx="255221" cy="537409"/>
           </a:xfrm>
           <a:prstGeom prst="bentConnector3">
@@ -7492,7 +7491,7 @@
         </p:nvCxnSpPr>
         <p:spPr>
           <a:xfrm rot="5400000">
-            <a:off x="5449841" y="8942670"/>
+            <a:off x="7921113" y="7427195"/>
             <a:ext cx="255221" cy="537400"/>
           </a:xfrm>
           <a:prstGeom prst="bentConnector3">
@@ -7530,7 +7529,7 @@
         </p:nvCxnSpPr>
         <p:spPr>
           <a:xfrm rot="5400000">
-            <a:off x="5987245" y="9737886"/>
+            <a:off x="8458517" y="8222411"/>
             <a:ext cx="255221" cy="537410"/>
           </a:xfrm>
           <a:prstGeom prst="bentConnector3">
@@ -7568,7 +7567,7 @@
         </p:nvCxnSpPr>
         <p:spPr>
           <a:xfrm rot="16200000" flipH="1">
-            <a:off x="5449840" y="9737891"/>
+            <a:off x="7921112" y="8222416"/>
             <a:ext cx="255221" cy="537399"/>
           </a:xfrm>
           <a:prstGeom prst="bentConnector3">
@@ -7603,7 +7602,7 @@
         </p:nvSpPr>
         <p:spPr>
           <a:xfrm>
-            <a:off x="7514810" y="10134202"/>
+            <a:off x="9986082" y="8618727"/>
             <a:ext cx="956205" cy="540000"/>
           </a:xfrm>
           <a:prstGeom prst="rect">
@@ -7671,7 +7670,7 @@
         </p:nvCxnSpPr>
         <p:spPr>
           <a:xfrm rot="16200000" flipH="1">
-            <a:off x="7595364" y="9736652"/>
+            <a:off x="10066636" y="8221177"/>
             <a:ext cx="255221" cy="539878"/>
           </a:xfrm>
           <a:prstGeom prst="bentConnector3">
@@ -7709,7 +7708,7 @@
         </p:nvCxnSpPr>
         <p:spPr>
           <a:xfrm rot="5400000">
-            <a:off x="8134907" y="9736987"/>
+            <a:off x="10606179" y="8221512"/>
             <a:ext cx="255221" cy="539208"/>
           </a:xfrm>
           <a:prstGeom prst="bentConnector3">
@@ -8983,7 +8982,6 @@
               <a:rPr lang="ru-RU" sz="700" dirty="0" smtClean="0"/>
               <a:t>Удался</a:t>
             </a:r>
-            <a:endParaRPr lang="ru-RU" sz="700" dirty="0" smtClean="0"/>
           </a:p>
         </p:txBody>
       </p:sp>
@@ -9026,7 +9024,6 @@
               <a:rPr lang="ru-RU" sz="700" dirty="0" smtClean="0"/>
               <a:t>Не Удался</a:t>
             </a:r>
-            <a:endParaRPr lang="ru-RU" sz="700" dirty="0" smtClean="0"/>
           </a:p>
         </p:txBody>
       </p:sp>

--- a/Наработки/диздоки/Бразилия/Бразилия общая.pptx
+++ b/Наработки/диздоки/Бразилия/Бразилия общая.pptx
@@ -209,7 +209,7 @@
             <a:fld id="{33E3D7F9-E251-484C-A6FF-FA958879DF69}" type="datetimeFigureOut">
               <a:rPr lang="ru-RU" smtClean="0"/>
               <a:pPr/>
-              <a:t>29.06.2021</a:t>
+              <a:t>15.10.2021</a:t>
             </a:fld>
             <a:endParaRPr lang="ru-RU"/>
           </a:p>
@@ -700,7 +700,7 @@
             <a:fld id="{85A5DE44-605B-4D3B-B2B7-94543DF81A36}" type="datetimeFigureOut">
               <a:rPr lang="ru-RU" smtClean="0"/>
               <a:pPr/>
-              <a:t>29.06.2021</a:t>
+              <a:t>15.10.2021</a:t>
             </a:fld>
             <a:endParaRPr lang="ru-RU"/>
           </a:p>
@@ -872,7 +872,7 @@
             <a:fld id="{85A5DE44-605B-4D3B-B2B7-94543DF81A36}" type="datetimeFigureOut">
               <a:rPr lang="ru-RU" smtClean="0"/>
               <a:pPr/>
-              <a:t>29.06.2021</a:t>
+              <a:t>15.10.2021</a:t>
             </a:fld>
             <a:endParaRPr lang="ru-RU"/>
           </a:p>
@@ -1054,7 +1054,7 @@
             <a:fld id="{85A5DE44-605B-4D3B-B2B7-94543DF81A36}" type="datetimeFigureOut">
               <a:rPr lang="ru-RU" smtClean="0"/>
               <a:pPr/>
-              <a:t>29.06.2021</a:t>
+              <a:t>15.10.2021</a:t>
             </a:fld>
             <a:endParaRPr lang="ru-RU"/>
           </a:p>
@@ -1226,7 +1226,7 @@
             <a:fld id="{85A5DE44-605B-4D3B-B2B7-94543DF81A36}" type="datetimeFigureOut">
               <a:rPr lang="ru-RU" smtClean="0"/>
               <a:pPr/>
-              <a:t>29.06.2021</a:t>
+              <a:t>15.10.2021</a:t>
             </a:fld>
             <a:endParaRPr lang="ru-RU"/>
           </a:p>
@@ -1474,7 +1474,7 @@
             <a:fld id="{85A5DE44-605B-4D3B-B2B7-94543DF81A36}" type="datetimeFigureOut">
               <a:rPr lang="ru-RU" smtClean="0"/>
               <a:pPr/>
-              <a:t>29.06.2021</a:t>
+              <a:t>15.10.2021</a:t>
             </a:fld>
             <a:endParaRPr lang="ru-RU"/>
           </a:p>
@@ -1708,7 +1708,7 @@
             <a:fld id="{85A5DE44-605B-4D3B-B2B7-94543DF81A36}" type="datetimeFigureOut">
               <a:rPr lang="ru-RU" smtClean="0"/>
               <a:pPr/>
-              <a:t>29.06.2021</a:t>
+              <a:t>15.10.2021</a:t>
             </a:fld>
             <a:endParaRPr lang="ru-RU"/>
           </a:p>
@@ -2077,7 +2077,7 @@
             <a:fld id="{85A5DE44-605B-4D3B-B2B7-94543DF81A36}" type="datetimeFigureOut">
               <a:rPr lang="ru-RU" smtClean="0"/>
               <a:pPr/>
-              <a:t>29.06.2021</a:t>
+              <a:t>15.10.2021</a:t>
             </a:fld>
             <a:endParaRPr lang="ru-RU"/>
           </a:p>
@@ -2197,7 +2197,7 @@
             <a:fld id="{85A5DE44-605B-4D3B-B2B7-94543DF81A36}" type="datetimeFigureOut">
               <a:rPr lang="ru-RU" smtClean="0"/>
               <a:pPr/>
-              <a:t>29.06.2021</a:t>
+              <a:t>15.10.2021</a:t>
             </a:fld>
             <a:endParaRPr lang="ru-RU"/>
           </a:p>
@@ -2294,7 +2294,7 @@
             <a:fld id="{85A5DE44-605B-4D3B-B2B7-94543DF81A36}" type="datetimeFigureOut">
               <a:rPr lang="ru-RU" smtClean="0"/>
               <a:pPr/>
-              <a:t>29.06.2021</a:t>
+              <a:t>15.10.2021</a:t>
             </a:fld>
             <a:endParaRPr lang="ru-RU"/>
           </a:p>
@@ -2573,7 +2573,7 @@
             <a:fld id="{85A5DE44-605B-4D3B-B2B7-94543DF81A36}" type="datetimeFigureOut">
               <a:rPr lang="ru-RU" smtClean="0"/>
               <a:pPr/>
-              <a:t>29.06.2021</a:t>
+              <a:t>15.10.2021</a:t>
             </a:fld>
             <a:endParaRPr lang="ru-RU"/>
           </a:p>
@@ -2832,7 +2832,7 @@
             <a:fld id="{85A5DE44-605B-4D3B-B2B7-94543DF81A36}" type="datetimeFigureOut">
               <a:rPr lang="ru-RU" smtClean="0"/>
               <a:pPr/>
-              <a:t>29.06.2021</a:t>
+              <a:t>15.10.2021</a:t>
             </a:fld>
             <a:endParaRPr lang="ru-RU"/>
           </a:p>
@@ -3047,7 +3047,7 @@
             <a:fld id="{85A5DE44-605B-4D3B-B2B7-94543DF81A36}" type="datetimeFigureOut">
               <a:rPr lang="ru-RU" smtClean="0"/>
               <a:pPr/>
-              <a:t>29.06.2021</a:t>
+              <a:t>15.10.2021</a:t>
             </a:fld>
             <a:endParaRPr lang="ru-RU"/>
           </a:p>
@@ -4572,7 +4572,7 @@
         </p:nvCxnSpPr>
         <p:spPr>
           <a:xfrm rot="5400000">
-            <a:off x="5504537" y="6361544"/>
+            <a:off x="5504537" y="23157630"/>
             <a:ext cx="257949" cy="1075532"/>
           </a:xfrm>
           <a:prstGeom prst="bentConnector3">
@@ -4661,7 +4661,7 @@
         </p:nvSpPr>
         <p:spPr>
           <a:xfrm>
-            <a:off x="8331431" y="1846325"/>
+            <a:off x="8338032" y="7649315"/>
             <a:ext cx="926325" cy="540000"/>
           </a:xfrm>
           <a:prstGeom prst="rect">
@@ -4745,7 +4745,7 @@
         </p:nvSpPr>
         <p:spPr>
           <a:xfrm>
-            <a:off x="6108273" y="2691708"/>
+            <a:off x="6108273" y="7646494"/>
             <a:ext cx="926325" cy="540000"/>
           </a:xfrm>
           <a:prstGeom prst="rect">
@@ -4881,7 +4881,7 @@
         </p:nvSpPr>
         <p:spPr>
           <a:xfrm>
-            <a:off x="8218531" y="4269467"/>
+            <a:off x="8218531" y="9224253"/>
             <a:ext cx="926325" cy="540000"/>
           </a:xfrm>
           <a:prstGeom prst="rect">
@@ -4929,7 +4929,7 @@
         </p:nvSpPr>
         <p:spPr>
           <a:xfrm>
-            <a:off x="7171721" y="4269464"/>
+            <a:off x="7171721" y="9224250"/>
             <a:ext cx="926325" cy="540000"/>
           </a:xfrm>
           <a:prstGeom prst="rect">
@@ -4977,7 +4977,7 @@
         </p:nvSpPr>
         <p:spPr>
           <a:xfrm>
-            <a:off x="7166152" y="3502900"/>
+            <a:off x="7166152" y="8457686"/>
             <a:ext cx="926325" cy="540000"/>
           </a:xfrm>
           <a:prstGeom prst="rect">
@@ -5025,7 +5025,7 @@
         </p:nvSpPr>
         <p:spPr>
           <a:xfrm>
-            <a:off x="6107335" y="4268766"/>
+            <a:off x="6107335" y="9223552"/>
             <a:ext cx="926325" cy="540000"/>
           </a:xfrm>
           <a:prstGeom prst="rect">
@@ -5059,7 +5059,11 @@
             <a:pPr algn="ctr"/>
             <a:r>
               <a:rPr lang="ru-RU" sz="700" dirty="0" smtClean="0"/>
-              <a:t>Пропаганда национализма</a:t>
+              <a:t>Пропаганда </a:t>
+            </a:r>
+            <a:r>
+              <a:rPr lang="ru-RU" sz="700" dirty="0" smtClean="0"/>
+              <a:t>национализма</a:t>
             </a:r>
             <a:endParaRPr lang="ru-RU" sz="100" dirty="0" smtClean="0"/>
           </a:p>
@@ -5073,7 +5077,7 @@
         </p:nvSpPr>
         <p:spPr>
           <a:xfrm>
-            <a:off x="5019577" y="3500835"/>
+            <a:off x="5019577" y="8455621"/>
             <a:ext cx="926325" cy="540000"/>
           </a:xfrm>
           <a:prstGeom prst="rect">
@@ -5125,7 +5129,7 @@
         </p:nvSpPr>
         <p:spPr>
           <a:xfrm>
-            <a:off x="5027876" y="4268766"/>
+            <a:off x="5027876" y="9223552"/>
             <a:ext cx="926325" cy="540000"/>
           </a:xfrm>
           <a:prstGeom prst="rect">
@@ -5158,8 +5162,16 @@
           <a:p>
             <a:pPr algn="ctr"/>
             <a:r>
-              <a:rPr lang="ru-RU" sz="700" dirty="0" smtClean="0"/>
-              <a:t>Пятилетний план</a:t>
+              <a:rPr lang="ru-RU" sz="700" dirty="0"/>
+              <a:t>Стимулирование промышленности </a:t>
+            </a:r>
+            <a:r>
+              <a:rPr lang="ru-RU" sz="300" dirty="0"/>
+              <a:t>(Если в 1920 году в Бразилии было зарегистрировано13334 предприятий, то к 1940 году их численность составила 49418</a:t>
+            </a:r>
+            <a:r>
+              <a:rPr lang="ru-RU" sz="300" dirty="0" smtClean="0"/>
+              <a:t>.)</a:t>
             </a:r>
             <a:endParaRPr lang="ru-RU" sz="100" dirty="0" smtClean="0"/>
           </a:p>
@@ -5173,7 +5185,7 @@
         </p:nvSpPr>
         <p:spPr>
           <a:xfrm>
-            <a:off x="9461144" y="7823506"/>
+            <a:off x="9461144" y="24619592"/>
             <a:ext cx="926325" cy="540000"/>
           </a:xfrm>
           <a:prstGeom prst="rect">
@@ -5216,7 +5228,7 @@
         </p:nvSpPr>
         <p:spPr>
           <a:xfrm>
-            <a:off x="10525290" y="7823506"/>
+            <a:off x="10525290" y="24619592"/>
             <a:ext cx="956205" cy="540000"/>
           </a:xfrm>
           <a:prstGeom prst="rect">
@@ -5267,7 +5279,7 @@
         </p:nvSpPr>
         <p:spPr>
           <a:xfrm>
-            <a:off x="8924874" y="7028285"/>
+            <a:off x="8924874" y="23824371"/>
             <a:ext cx="926325" cy="540000"/>
           </a:xfrm>
           <a:prstGeom prst="rect">
@@ -5310,7 +5322,7 @@
         </p:nvSpPr>
         <p:spPr>
           <a:xfrm>
-            <a:off x="7854260" y="7028285"/>
+            <a:off x="7854260" y="23824371"/>
             <a:ext cx="926325" cy="540000"/>
           </a:xfrm>
           <a:prstGeom prst="rect">
@@ -5365,7 +5377,7 @@
         </p:nvSpPr>
         <p:spPr>
           <a:xfrm>
-            <a:off x="9461143" y="6230335"/>
+            <a:off x="9461143" y="23026421"/>
             <a:ext cx="926325" cy="540000"/>
           </a:xfrm>
           <a:prstGeom prst="rect">
@@ -5408,7 +5420,7 @@
         </p:nvSpPr>
         <p:spPr>
           <a:xfrm>
-            <a:off x="5708114" y="7028285"/>
+            <a:off x="5708114" y="23824371"/>
             <a:ext cx="926325" cy="540000"/>
           </a:xfrm>
           <a:prstGeom prst="rect">
@@ -5451,7 +5463,7 @@
         </p:nvSpPr>
         <p:spPr>
           <a:xfrm>
-            <a:off x="10001023" y="7028285"/>
+            <a:off x="10001023" y="23824371"/>
             <a:ext cx="926325" cy="540000"/>
           </a:xfrm>
           <a:prstGeom prst="rect">
@@ -5574,7 +5586,7 @@
         </p:nvSpPr>
         <p:spPr>
           <a:xfrm>
-            <a:off x="7316860" y="7823506"/>
+            <a:off x="7316860" y="24619592"/>
             <a:ext cx="926325" cy="540000"/>
           </a:xfrm>
           <a:prstGeom prst="rect">
@@ -5633,7 +5645,7 @@
         </p:nvSpPr>
         <p:spPr>
           <a:xfrm>
-            <a:off x="11065962" y="7028285"/>
+            <a:off x="11065962" y="23824371"/>
             <a:ext cx="926325" cy="540000"/>
           </a:xfrm>
           <a:prstGeom prst="rect">
@@ -5692,7 +5704,7 @@
         </p:nvSpPr>
         <p:spPr>
           <a:xfrm>
-            <a:off x="7854259" y="8618727"/>
+            <a:off x="7854259" y="25414813"/>
             <a:ext cx="926325" cy="540000"/>
           </a:xfrm>
           <a:prstGeom prst="rect">
@@ -5746,7 +5758,7 @@
         </p:nvSpPr>
         <p:spPr>
           <a:xfrm>
-            <a:off x="11624086" y="7822037"/>
+            <a:off x="11624086" y="24618123"/>
             <a:ext cx="926325" cy="540000"/>
           </a:xfrm>
           <a:prstGeom prst="rect">
@@ -5813,7 +5825,7 @@
         </p:nvSpPr>
         <p:spPr>
           <a:xfrm>
-            <a:off x="8385611" y="6230335"/>
+            <a:off x="8385611" y="23026421"/>
             <a:ext cx="926325" cy="540000"/>
           </a:xfrm>
           <a:prstGeom prst="rect">
@@ -5882,7 +5894,7 @@
         </p:nvSpPr>
         <p:spPr>
           <a:xfrm>
-            <a:off x="6783646" y="7028285"/>
+            <a:off x="6783646" y="23824371"/>
             <a:ext cx="926325" cy="540000"/>
           </a:xfrm>
           <a:prstGeom prst="rect">
@@ -5925,7 +5937,7 @@
         </p:nvSpPr>
         <p:spPr>
           <a:xfrm>
-            <a:off x="4632582" y="7028285"/>
+            <a:off x="4632582" y="23824371"/>
             <a:ext cx="926325" cy="540000"/>
           </a:xfrm>
           <a:prstGeom prst="rect">
@@ -5980,7 +5992,7 @@
         </p:nvSpPr>
         <p:spPr>
           <a:xfrm>
-            <a:off x="6242051" y="7823956"/>
+            <a:off x="6242051" y="24620042"/>
             <a:ext cx="926325" cy="540000"/>
           </a:xfrm>
           <a:prstGeom prst="rect">
@@ -6023,7 +6035,7 @@
         </p:nvSpPr>
         <p:spPr>
           <a:xfrm>
-            <a:off x="5160425" y="7826234"/>
+            <a:off x="5160425" y="24622320"/>
             <a:ext cx="926325" cy="540000"/>
           </a:xfrm>
           <a:prstGeom prst="rect">
@@ -6069,7 +6081,7 @@
         </p:nvCxnSpPr>
         <p:spPr>
           <a:xfrm>
-            <a:off x="5558907" y="7298285"/>
+            <a:off x="5558907" y="24094371"/>
             <a:ext cx="149207" cy="0"/>
           </a:xfrm>
           <a:prstGeom prst="line">
@@ -6107,7 +6119,7 @@
         </p:nvCxnSpPr>
         <p:spPr>
           <a:xfrm>
-            <a:off x="6634439" y="7298285"/>
+            <a:off x="6634439" y="24094371"/>
             <a:ext cx="149207" cy="0"/>
           </a:xfrm>
           <a:prstGeom prst="line">
@@ -6142,7 +6154,7 @@
         </p:nvSpPr>
         <p:spPr>
           <a:xfrm>
-            <a:off x="10539444" y="6230335"/>
+            <a:off x="10539444" y="23026421"/>
             <a:ext cx="926325" cy="540000"/>
           </a:xfrm>
           <a:prstGeom prst="rect">
@@ -6185,7 +6197,7 @@
         </p:nvSpPr>
         <p:spPr>
           <a:xfrm>
-            <a:off x="8391669" y="7823506"/>
+            <a:off x="8391669" y="24619592"/>
             <a:ext cx="926325" cy="540000"/>
           </a:xfrm>
           <a:prstGeom prst="rect">
@@ -6266,7 +6278,7 @@
         </p:nvSpPr>
         <p:spPr>
           <a:xfrm>
-            <a:off x="6656839" y="5152401"/>
+            <a:off x="6656839" y="10107187"/>
             <a:ext cx="926325" cy="540000"/>
           </a:xfrm>
           <a:prstGeom prst="rect">
@@ -6333,7 +6345,7 @@
         </p:nvSpPr>
         <p:spPr>
           <a:xfrm>
-            <a:off x="5577379" y="5152401"/>
+            <a:off x="5577379" y="10107187"/>
             <a:ext cx="926325" cy="540000"/>
           </a:xfrm>
           <a:prstGeom prst="rect">
@@ -6440,7 +6452,7 @@
         </p:nvSpPr>
         <p:spPr>
           <a:xfrm>
-            <a:off x="5708114" y="6230336"/>
+            <a:off x="5708114" y="23026422"/>
             <a:ext cx="926325" cy="540000"/>
           </a:xfrm>
           <a:prstGeom prst="rect">
@@ -6528,7 +6540,7 @@
         </p:nvCxnSpPr>
         <p:spPr>
           <a:xfrm rot="16200000" flipH="1">
-            <a:off x="6580069" y="6361544"/>
+            <a:off x="6580069" y="23157630"/>
             <a:ext cx="257949" cy="1075532"/>
           </a:xfrm>
           <a:prstGeom prst="bentConnector3">
@@ -6566,7 +6578,7 @@
         </p:nvCxnSpPr>
         <p:spPr>
           <a:xfrm>
-            <a:off x="6171277" y="6770336"/>
+            <a:off x="6171277" y="23566422"/>
             <a:ext cx="0" cy="257949"/>
           </a:xfrm>
           <a:prstGeom prst="straightConnector1">
@@ -6602,7 +6614,7 @@
         </p:nvCxnSpPr>
         <p:spPr>
           <a:xfrm rot="16200000" flipH="1">
-            <a:off x="5230692" y="7433337"/>
+            <a:off x="5230692" y="24229423"/>
             <a:ext cx="257949" cy="527843"/>
           </a:xfrm>
           <a:prstGeom prst="bentConnector3">
@@ -6641,7 +6653,7 @@
         </p:nvCxnSpPr>
         <p:spPr>
           <a:xfrm rot="5400000">
-            <a:off x="5768459" y="7423415"/>
+            <a:off x="5768459" y="24219501"/>
             <a:ext cx="257949" cy="547689"/>
           </a:xfrm>
           <a:prstGeom prst="bentConnector3">
@@ -6680,7 +6692,7 @@
         </p:nvCxnSpPr>
         <p:spPr>
           <a:xfrm rot="16200000" flipH="1">
-            <a:off x="6310410" y="7429151"/>
+            <a:off x="6310410" y="24225237"/>
             <a:ext cx="255671" cy="533937"/>
           </a:xfrm>
           <a:prstGeom prst="bentConnector3">
@@ -6719,7 +6731,7 @@
         </p:nvCxnSpPr>
         <p:spPr>
           <a:xfrm rot="5400000">
-            <a:off x="6848177" y="7425323"/>
+            <a:off x="6848177" y="24221409"/>
             <a:ext cx="255671" cy="541595"/>
           </a:xfrm>
           <a:prstGeom prst="bentConnector3">
@@ -6758,7 +6770,7 @@
         </p:nvCxnSpPr>
         <p:spPr>
           <a:xfrm flipV="1">
-            <a:off x="6086750" y="8093956"/>
+            <a:off x="6086750" y="24890042"/>
             <a:ext cx="155301" cy="2278"/>
           </a:xfrm>
           <a:prstGeom prst="line">
@@ -6793,7 +6805,7 @@
         </p:nvSpPr>
         <p:spPr>
           <a:xfrm>
-            <a:off x="3950775" y="4268765"/>
+            <a:off x="3950775" y="9223551"/>
             <a:ext cx="926325" cy="540000"/>
           </a:xfrm>
           <a:prstGeom prst="rect">
@@ -6877,7 +6889,7 @@
         </p:nvSpPr>
         <p:spPr>
           <a:xfrm>
-            <a:off x="7307310" y="6230335"/>
+            <a:off x="7307310" y="23026421"/>
             <a:ext cx="926325" cy="540000"/>
           </a:xfrm>
           <a:prstGeom prst="rect">
@@ -6959,7 +6971,7 @@
         </p:nvCxnSpPr>
         <p:spPr>
           <a:xfrm rot="16200000" flipH="1">
-            <a:off x="7914973" y="6625835"/>
+            <a:off x="7914973" y="23421921"/>
             <a:ext cx="257950" cy="546950"/>
           </a:xfrm>
           <a:prstGeom prst="bentConnector3">
@@ -6997,7 +7009,7 @@
         </p:nvCxnSpPr>
         <p:spPr>
           <a:xfrm rot="5400000">
-            <a:off x="8454124" y="6633635"/>
+            <a:off x="8454124" y="23429721"/>
             <a:ext cx="257950" cy="531351"/>
           </a:xfrm>
           <a:prstGeom prst="bentConnector3">
@@ -7035,7 +7047,7 @@
         </p:nvCxnSpPr>
         <p:spPr>
           <a:xfrm rot="16200000" flipH="1">
-            <a:off x="8989430" y="6629678"/>
+            <a:off x="8989430" y="23425764"/>
             <a:ext cx="257950" cy="539263"/>
           </a:xfrm>
           <a:prstGeom prst="bentConnector3">
@@ -7073,7 +7085,7 @@
         </p:nvCxnSpPr>
         <p:spPr>
           <a:xfrm rot="5400000">
-            <a:off x="9527197" y="6631176"/>
+            <a:off x="9527197" y="23427262"/>
             <a:ext cx="257950" cy="536269"/>
           </a:xfrm>
           <a:prstGeom prst="bentConnector3">
@@ -7111,7 +7123,7 @@
         </p:nvCxnSpPr>
         <p:spPr>
           <a:xfrm rot="16200000" flipH="1">
-            <a:off x="10065271" y="6629370"/>
+            <a:off x="10065271" y="23425456"/>
             <a:ext cx="257950" cy="539880"/>
           </a:xfrm>
           <a:prstGeom prst="bentConnector3">
@@ -7149,7 +7161,7 @@
         </p:nvCxnSpPr>
         <p:spPr>
           <a:xfrm rot="5400000">
-            <a:off x="10604422" y="6630100"/>
+            <a:off x="10604422" y="23426186"/>
             <a:ext cx="257950" cy="538421"/>
           </a:xfrm>
           <a:prstGeom prst="bentConnector3">
@@ -7187,7 +7199,7 @@
         </p:nvCxnSpPr>
         <p:spPr>
           <a:xfrm rot="16200000" flipH="1">
-            <a:off x="11136891" y="6636051"/>
+            <a:off x="11136891" y="23432137"/>
             <a:ext cx="257950" cy="526518"/>
           </a:xfrm>
           <a:prstGeom prst="bentConnector3">
@@ -7225,7 +7237,7 @@
         </p:nvCxnSpPr>
         <p:spPr>
           <a:xfrm rot="16200000" flipH="1">
-            <a:off x="11681311" y="7416099"/>
+            <a:off x="11681311" y="24212185"/>
             <a:ext cx="253752" cy="558124"/>
           </a:xfrm>
           <a:prstGeom prst="bentConnector3">
@@ -7263,7 +7275,7 @@
         </p:nvCxnSpPr>
         <p:spPr>
           <a:xfrm rot="5400000">
-            <a:off x="11138649" y="7433029"/>
+            <a:off x="11138649" y="24229115"/>
             <a:ext cx="255221" cy="525732"/>
           </a:xfrm>
           <a:prstGeom prst="bentConnector3">
@@ -7301,7 +7313,7 @@
         </p:nvCxnSpPr>
         <p:spPr>
           <a:xfrm rot="5400000">
-            <a:off x="10066637" y="7425956"/>
+            <a:off x="10066637" y="24222042"/>
             <a:ext cx="255221" cy="539879"/>
           </a:xfrm>
           <a:prstGeom prst="bentConnector3">
@@ -7339,7 +7351,7 @@
         </p:nvCxnSpPr>
         <p:spPr>
           <a:xfrm rot="16200000" flipH="1">
-            <a:off x="10606179" y="7426291"/>
+            <a:off x="10606179" y="24222377"/>
             <a:ext cx="255221" cy="539207"/>
           </a:xfrm>
           <a:prstGeom prst="bentConnector3">
@@ -7377,7 +7389,7 @@
         </p:nvCxnSpPr>
         <p:spPr>
           <a:xfrm rot="16200000" flipH="1">
-            <a:off x="9528562" y="7427760"/>
+            <a:off x="9528562" y="24223846"/>
             <a:ext cx="255221" cy="536270"/>
           </a:xfrm>
           <a:prstGeom prst="bentConnector3">
@@ -7415,7 +7427,7 @@
         </p:nvCxnSpPr>
         <p:spPr>
           <a:xfrm rot="5400000">
-            <a:off x="8993825" y="7429293"/>
+            <a:off x="8993825" y="24225379"/>
             <a:ext cx="255221" cy="533205"/>
           </a:xfrm>
           <a:prstGeom prst="bentConnector3">
@@ -7453,7 +7465,7 @@
         </p:nvCxnSpPr>
         <p:spPr>
           <a:xfrm rot="16200000" flipH="1">
-            <a:off x="8458517" y="7427190"/>
+            <a:off x="8458517" y="24223276"/>
             <a:ext cx="255221" cy="537409"/>
           </a:xfrm>
           <a:prstGeom prst="bentConnector3">
@@ -7491,7 +7503,7 @@
         </p:nvCxnSpPr>
         <p:spPr>
           <a:xfrm rot="5400000">
-            <a:off x="7921113" y="7427195"/>
+            <a:off x="7921113" y="24223281"/>
             <a:ext cx="255221" cy="537400"/>
           </a:xfrm>
           <a:prstGeom prst="bentConnector3">
@@ -7529,7 +7541,7 @@
         </p:nvCxnSpPr>
         <p:spPr>
           <a:xfrm rot="5400000">
-            <a:off x="8458517" y="8222411"/>
+            <a:off x="8458517" y="25018497"/>
             <a:ext cx="255221" cy="537410"/>
           </a:xfrm>
           <a:prstGeom prst="bentConnector3">
@@ -7567,7 +7579,7 @@
         </p:nvCxnSpPr>
         <p:spPr>
           <a:xfrm rot="16200000" flipH="1">
-            <a:off x="7921112" y="8222416"/>
+            <a:off x="7921112" y="25018502"/>
             <a:ext cx="255221" cy="537399"/>
           </a:xfrm>
           <a:prstGeom prst="bentConnector3">
@@ -7602,7 +7614,7 @@
         </p:nvSpPr>
         <p:spPr>
           <a:xfrm>
-            <a:off x="9986082" y="8618727"/>
+            <a:off x="9986082" y="25414813"/>
             <a:ext cx="956205" cy="540000"/>
           </a:xfrm>
           <a:prstGeom prst="rect">
@@ -7670,7 +7682,7 @@
         </p:nvCxnSpPr>
         <p:spPr>
           <a:xfrm rot="16200000" flipH="1">
-            <a:off x="10066636" y="8221177"/>
+            <a:off x="10066636" y="25017263"/>
             <a:ext cx="255221" cy="539878"/>
           </a:xfrm>
           <a:prstGeom prst="bentConnector3">
@@ -7708,7 +7720,7 @@
         </p:nvCxnSpPr>
         <p:spPr>
           <a:xfrm rot="5400000">
-            <a:off x="10606179" y="8221512"/>
+            <a:off x="10606179" y="25017598"/>
             <a:ext cx="255221" cy="539208"/>
           </a:xfrm>
           <a:prstGeom prst="bentConnector3">
@@ -7746,7 +7758,7 @@
         </p:nvCxnSpPr>
         <p:spPr>
           <a:xfrm flipH="1">
-            <a:off x="6570498" y="3231708"/>
+            <a:off x="6570498" y="8186494"/>
             <a:ext cx="938" cy="1037058"/>
           </a:xfrm>
           <a:prstGeom prst="straightConnector1">
@@ -7782,7 +7794,7 @@
         </p:nvCxnSpPr>
         <p:spPr>
           <a:xfrm rot="5400000">
-            <a:off x="5892525" y="2821923"/>
+            <a:off x="5892525" y="7776709"/>
             <a:ext cx="269127" cy="1088696"/>
           </a:xfrm>
           <a:prstGeom prst="bentConnector3">
@@ -7820,7 +7832,7 @@
         </p:nvCxnSpPr>
         <p:spPr>
           <a:xfrm rot="16200000" flipH="1">
-            <a:off x="6964779" y="2838364"/>
+            <a:off x="6964779" y="7793150"/>
             <a:ext cx="271192" cy="1057879"/>
           </a:xfrm>
           <a:prstGeom prst="bentConnector3">
@@ -7858,7 +7870,7 @@
         </p:nvCxnSpPr>
         <p:spPr>
           <a:xfrm rot="16200000" flipH="1">
-            <a:off x="6673433" y="4705831"/>
+            <a:off x="6673433" y="9660617"/>
             <a:ext cx="343635" cy="549504"/>
           </a:xfrm>
           <a:prstGeom prst="bentConnector3">
@@ -7896,7 +7908,7 @@
         </p:nvCxnSpPr>
         <p:spPr>
           <a:xfrm rot="5400000">
-            <a:off x="6133703" y="4715605"/>
+            <a:off x="6133703" y="9670391"/>
             <a:ext cx="343635" cy="529956"/>
           </a:xfrm>
           <a:prstGeom prst="bentConnector3">
@@ -7934,7 +7946,7 @@
         </p:nvCxnSpPr>
         <p:spPr>
           <a:xfrm rot="5400000">
-            <a:off x="4834374" y="3620399"/>
+            <a:off x="4834374" y="8575185"/>
             <a:ext cx="227930" cy="1068802"/>
           </a:xfrm>
           <a:prstGeom prst="bentConnector3">
@@ -7972,7 +7984,7 @@
         </p:nvCxnSpPr>
         <p:spPr>
           <a:xfrm rot="16200000" flipH="1">
-            <a:off x="8042221" y="3629993"/>
+            <a:off x="8042221" y="8584779"/>
             <a:ext cx="226567" cy="1052379"/>
           </a:xfrm>
           <a:prstGeom prst="bentConnector3">
@@ -8010,7 +8022,7 @@
         </p:nvCxnSpPr>
         <p:spPr>
           <a:xfrm>
-            <a:off x="5482740" y="4040835"/>
+            <a:off x="5482740" y="8995621"/>
             <a:ext cx="8299" cy="227931"/>
           </a:xfrm>
           <a:prstGeom prst="straightConnector1">
@@ -8046,7 +8058,7 @@
         </p:nvCxnSpPr>
         <p:spPr>
           <a:xfrm>
-            <a:off x="7629315" y="4042900"/>
+            <a:off x="7629315" y="8997686"/>
             <a:ext cx="5569" cy="226564"/>
           </a:xfrm>
           <a:prstGeom prst="straightConnector1">
@@ -8082,7 +8094,7 @@
         </p:nvCxnSpPr>
         <p:spPr>
           <a:xfrm>
-            <a:off x="6503704" y="5422401"/>
+            <a:off x="6503704" y="10377187"/>
             <a:ext cx="153135" cy="0"/>
           </a:xfrm>
           <a:prstGeom prst="line">
@@ -8117,7 +8129,7 @@
         </p:nvSpPr>
         <p:spPr>
           <a:xfrm>
-            <a:off x="10512632" y="2692901"/>
+            <a:off x="10512632" y="7647687"/>
             <a:ext cx="926325" cy="540000"/>
           </a:xfrm>
           <a:prstGeom prst="rect">
@@ -8169,7 +8181,7 @@
         </p:nvSpPr>
         <p:spPr>
           <a:xfrm>
-            <a:off x="11668168" y="4272407"/>
+            <a:off x="11668168" y="9227193"/>
             <a:ext cx="926325" cy="540000"/>
           </a:xfrm>
           <a:prstGeom prst="rect">
@@ -8216,7 +8228,7 @@
         </p:nvSpPr>
         <p:spPr>
           <a:xfrm>
-            <a:off x="9408265" y="5152401"/>
+            <a:off x="9408265" y="10107187"/>
             <a:ext cx="926325" cy="540000"/>
           </a:xfrm>
           <a:prstGeom prst="rect">
@@ -8263,7 +8275,7 @@
         </p:nvSpPr>
         <p:spPr>
           <a:xfrm>
-            <a:off x="10539444" y="5152401"/>
+            <a:off x="10539444" y="10107187"/>
             <a:ext cx="926325" cy="540000"/>
           </a:xfrm>
           <a:prstGeom prst="rect">
@@ -8310,7 +8322,7 @@
         </p:nvSpPr>
         <p:spPr>
           <a:xfrm>
-            <a:off x="9973075" y="3500835"/>
+            <a:off x="9973075" y="8455621"/>
             <a:ext cx="926325" cy="540000"/>
           </a:xfrm>
           <a:prstGeom prst="rect">
@@ -8393,7 +8405,7 @@
         </p:nvSpPr>
         <p:spPr>
           <a:xfrm>
-            <a:off x="11101798" y="3500835"/>
+            <a:off x="11101798" y="8455621"/>
             <a:ext cx="926325" cy="540000"/>
           </a:xfrm>
           <a:prstGeom prst="rect">
@@ -8451,7 +8463,7 @@
         </p:nvCxnSpPr>
         <p:spPr>
           <a:xfrm>
-            <a:off x="10899400" y="3770835"/>
+            <a:off x="10899400" y="8725621"/>
             <a:ext cx="202398" cy="0"/>
           </a:xfrm>
           <a:prstGeom prst="line">
@@ -8486,7 +8498,7 @@
         </p:nvSpPr>
         <p:spPr>
           <a:xfrm>
-            <a:off x="10539444" y="4272407"/>
+            <a:off x="10539444" y="9227193"/>
             <a:ext cx="926325" cy="540000"/>
           </a:xfrm>
           <a:prstGeom prst="rect">
@@ -8557,7 +8569,7 @@
         </p:nvSpPr>
         <p:spPr>
           <a:xfrm>
-            <a:off x="9410720" y="4272407"/>
+            <a:off x="9410720" y="9227193"/>
             <a:ext cx="926325" cy="540000"/>
           </a:xfrm>
           <a:prstGeom prst="rect">
@@ -8612,7 +8624,7 @@
         </p:nvCxnSpPr>
         <p:spPr>
           <a:xfrm rot="5400000">
-            <a:off x="10039275" y="3875444"/>
+            <a:off x="10039275" y="8830230"/>
             <a:ext cx="231572" cy="562355"/>
           </a:xfrm>
           <a:prstGeom prst="bentConnector3">
@@ -8650,7 +8662,7 @@
         </p:nvCxnSpPr>
         <p:spPr>
           <a:xfrm rot="16200000" flipH="1">
-            <a:off x="11732360" y="3873436"/>
+            <a:off x="11732360" y="8828222"/>
             <a:ext cx="231572" cy="566370"/>
           </a:xfrm>
           <a:prstGeom prst="bentConnector3">
@@ -8688,7 +8700,7 @@
         </p:nvCxnSpPr>
         <p:spPr>
           <a:xfrm rot="16200000" flipH="1">
-            <a:off x="10603636" y="3873436"/>
+            <a:off x="10603636" y="8828222"/>
             <a:ext cx="231572" cy="566369"/>
           </a:xfrm>
           <a:prstGeom prst="bentConnector3">
@@ -8727,7 +8739,7 @@
         </p:nvCxnSpPr>
         <p:spPr>
           <a:xfrm rot="5400000">
-            <a:off x="11167998" y="3875444"/>
+            <a:off x="11167998" y="8830230"/>
             <a:ext cx="231572" cy="562354"/>
           </a:xfrm>
           <a:prstGeom prst="bentConnector3">
@@ -8766,7 +8778,7 @@
         </p:nvCxnSpPr>
         <p:spPr>
           <a:xfrm rot="5400000">
-            <a:off x="10572050" y="3097090"/>
+            <a:off x="10572050" y="8051876"/>
             <a:ext cx="267934" cy="539557"/>
           </a:xfrm>
           <a:prstGeom prst="bentConnector3">
@@ -8804,7 +8816,7 @@
         </p:nvCxnSpPr>
         <p:spPr>
           <a:xfrm rot="16200000" flipH="1">
-            <a:off x="11136411" y="3072285"/>
+            <a:off x="11136411" y="8027071"/>
             <a:ext cx="267934" cy="589166"/>
           </a:xfrm>
           <a:prstGeom prst="bentConnector3">
@@ -8842,7 +8854,7 @@
         </p:nvCxnSpPr>
         <p:spPr>
           <a:xfrm rot="5400000">
-            <a:off x="10267021" y="4416815"/>
+            <a:off x="10267021" y="9371601"/>
             <a:ext cx="339994" cy="1131179"/>
           </a:xfrm>
           <a:prstGeom prst="bentConnector3">
@@ -8880,7 +8892,7 @@
         </p:nvCxnSpPr>
         <p:spPr>
           <a:xfrm>
-            <a:off x="11002607" y="4812407"/>
+            <a:off x="11002607" y="9767193"/>
             <a:ext cx="0" cy="339994"/>
           </a:xfrm>
           <a:prstGeom prst="straightConnector1">
@@ -8916,7 +8928,7 @@
         </p:nvCxnSpPr>
         <p:spPr>
           <a:xfrm>
-            <a:off x="7034598" y="2961708"/>
+            <a:off x="7034598" y="7916494"/>
             <a:ext cx="3478034" cy="1193"/>
           </a:xfrm>
           <a:prstGeom prst="line">
@@ -8951,7 +8963,7 @@
         </p:nvSpPr>
         <p:spPr>
           <a:xfrm>
-            <a:off x="9678879" y="2421708"/>
+            <a:off x="9598965" y="7640346"/>
             <a:ext cx="926325" cy="207346"/>
           </a:xfrm>
           <a:prstGeom prst="rect">
@@ -8993,7 +9005,7 @@
         </p:nvSpPr>
         <p:spPr>
           <a:xfrm>
-            <a:off x="7335800" y="2421708"/>
+            <a:off x="7028761" y="7647367"/>
             <a:ext cx="926325" cy="207346"/>
           </a:xfrm>
           <a:prstGeom prst="rect">
@@ -9035,7 +9047,7 @@
         </p:nvSpPr>
         <p:spPr>
           <a:xfrm>
-            <a:off x="12316837" y="3500835"/>
+            <a:off x="12316837" y="8455621"/>
             <a:ext cx="926325" cy="540000"/>
           </a:xfrm>
           <a:prstGeom prst="rect">
@@ -9182,6 +9194,555 @@
           </a:p>
         </p:txBody>
       </p:sp>
+      <p:sp>
+        <p:nvSpPr>
+          <p:cNvPr id="126" name="Прямоугольник 125"/>
+          <p:cNvSpPr/>
+          <p:nvPr/>
+        </p:nvSpPr>
+        <p:spPr>
+          <a:xfrm>
+            <a:off x="8338032" y="4601611"/>
+            <a:ext cx="926325" cy="540000"/>
+          </a:xfrm>
+          <a:prstGeom prst="rect">
+            <a:avLst/>
+          </a:prstGeom>
+          <a:solidFill>
+            <a:schemeClr val="bg1">
+              <a:lumMod val="50000"/>
+            </a:schemeClr>
+          </a:solidFill>
+          <a:ln w="19050"/>
+        </p:spPr>
+        <p:style>
+          <a:lnRef idx="2">
+            <a:schemeClr val="accent1"/>
+          </a:lnRef>
+          <a:fillRef idx="1">
+            <a:schemeClr val="lt1"/>
+          </a:fillRef>
+          <a:effectRef idx="0">
+            <a:schemeClr val="accent1"/>
+          </a:effectRef>
+          <a:fontRef idx="minor">
+            <a:schemeClr val="dk1"/>
+          </a:fontRef>
+        </p:style>
+        <p:txBody>
+          <a:bodyPr lIns="124733" tIns="62367" rIns="124733" bIns="62367" rtlCol="0" anchor="ctr"/>
+          <a:lstStyle/>
+          <a:p>
+            <a:pPr algn="ctr"/>
+            <a:r>
+              <a:rPr lang="ru-RU" sz="700" dirty="0" smtClean="0"/>
+              <a:t>Роспуск конгресса (1937)</a:t>
+            </a:r>
+            <a:endParaRPr lang="ru-RU" sz="100" dirty="0" smtClean="0"/>
+          </a:p>
+        </p:txBody>
+      </p:sp>
+      <p:sp>
+        <p:nvSpPr>
+          <p:cNvPr id="128" name="Прямоугольник 127"/>
+          <p:cNvSpPr/>
+          <p:nvPr/>
+        </p:nvSpPr>
+        <p:spPr>
+          <a:xfrm>
+            <a:off x="8338031" y="5386579"/>
+            <a:ext cx="926325" cy="540000"/>
+          </a:xfrm>
+          <a:prstGeom prst="rect">
+            <a:avLst/>
+          </a:prstGeom>
+          <a:solidFill>
+            <a:schemeClr val="bg1">
+              <a:lumMod val="50000"/>
+            </a:schemeClr>
+          </a:solidFill>
+          <a:ln w="19050"/>
+        </p:spPr>
+        <p:style>
+          <a:lnRef idx="2">
+            <a:schemeClr val="accent1"/>
+          </a:lnRef>
+          <a:fillRef idx="1">
+            <a:schemeClr val="lt1"/>
+          </a:fillRef>
+          <a:effectRef idx="0">
+            <a:schemeClr val="accent1"/>
+          </a:effectRef>
+          <a:fontRef idx="minor">
+            <a:schemeClr val="dk1"/>
+          </a:fontRef>
+        </p:style>
+        <p:txBody>
+          <a:bodyPr lIns="124733" tIns="62367" rIns="124733" bIns="62367" rtlCol="0" anchor="ctr"/>
+          <a:lstStyle/>
+          <a:p>
+            <a:pPr algn="ctr"/>
+            <a:r>
+              <a:rPr lang="ru-RU" sz="700" dirty="0" smtClean="0"/>
+              <a:t>Новая конституция </a:t>
+            </a:r>
+            <a:r>
+              <a:rPr lang="ru-RU" sz="600" dirty="0" smtClean="0"/>
+              <a:t>(</a:t>
+            </a:r>
+            <a:r>
+              <a:rPr lang="ru-RU" sz="600" dirty="0"/>
+              <a:t>1937)</a:t>
+            </a:r>
+            <a:endParaRPr lang="ru-RU" sz="100" dirty="0"/>
+          </a:p>
+          <a:p>
+            <a:pPr algn="ctr"/>
+            <a:endParaRPr lang="ru-RU" sz="100" dirty="0" smtClean="0"/>
+          </a:p>
+        </p:txBody>
+      </p:sp>
+      <p:sp>
+        <p:nvSpPr>
+          <p:cNvPr id="130" name="Прямоугольник 129"/>
+          <p:cNvSpPr/>
+          <p:nvPr/>
+        </p:nvSpPr>
+        <p:spPr>
+          <a:xfrm>
+            <a:off x="11366756" y="4601611"/>
+            <a:ext cx="926325" cy="540000"/>
+          </a:xfrm>
+          <a:prstGeom prst="rect">
+            <a:avLst/>
+          </a:prstGeom>
+          <a:solidFill>
+            <a:schemeClr val="accent1">
+              <a:lumMod val="60000"/>
+              <a:lumOff val="40000"/>
+            </a:schemeClr>
+          </a:solidFill>
+          <a:ln w="19050"/>
+        </p:spPr>
+        <p:style>
+          <a:lnRef idx="2">
+            <a:schemeClr val="accent1"/>
+          </a:lnRef>
+          <a:fillRef idx="1">
+            <a:schemeClr val="lt1"/>
+          </a:fillRef>
+          <a:effectRef idx="0">
+            <a:schemeClr val="accent1"/>
+          </a:effectRef>
+          <a:fontRef idx="minor">
+            <a:schemeClr val="dk1"/>
+          </a:fontRef>
+        </p:style>
+        <p:txBody>
+          <a:bodyPr lIns="124733" tIns="62367" rIns="124733" bIns="62367" rtlCol="0" anchor="ctr"/>
+          <a:lstStyle/>
+          <a:p>
+            <a:pPr algn="ctr"/>
+            <a:r>
+              <a:rPr lang="ru-RU" sz="700" dirty="0" smtClean="0"/>
+              <a:t>Возможно тут демократы</a:t>
+            </a:r>
+            <a:endParaRPr lang="ru-RU" sz="100" dirty="0" smtClean="0"/>
+          </a:p>
+        </p:txBody>
+      </p:sp>
+      <p:cxnSp>
+        <p:nvCxnSpPr>
+          <p:cNvPr id="131" name="Прямая соединительная линия 130"/>
+          <p:cNvCxnSpPr>
+            <a:stCxn id="130" idx="1"/>
+            <a:endCxn id="126" idx="3"/>
+          </p:cNvCxnSpPr>
+          <p:nvPr/>
+        </p:nvCxnSpPr>
+        <p:spPr>
+          <a:xfrm flipH="1">
+            <a:off x="9264357" y="4871611"/>
+            <a:ext cx="2102399" cy="0"/>
+          </a:xfrm>
+          <a:prstGeom prst="line">
+            <a:avLst/>
+          </a:prstGeom>
+          <a:ln w="19050">
+            <a:solidFill>
+              <a:srgbClr val="FF0000"/>
+            </a:solidFill>
+          </a:ln>
+        </p:spPr>
+        <p:style>
+          <a:lnRef idx="1">
+            <a:schemeClr val="accent1"/>
+          </a:lnRef>
+          <a:fillRef idx="0">
+            <a:schemeClr val="accent1"/>
+          </a:fillRef>
+          <a:effectRef idx="0">
+            <a:schemeClr val="accent1"/>
+          </a:effectRef>
+          <a:fontRef idx="minor">
+            <a:schemeClr val="tx1"/>
+          </a:fontRef>
+        </p:style>
+      </p:cxnSp>
+      <p:sp>
+        <p:nvSpPr>
+          <p:cNvPr id="134" name="Прямоугольник 133"/>
+          <p:cNvSpPr/>
+          <p:nvPr/>
+        </p:nvSpPr>
+        <p:spPr>
+          <a:xfrm>
+            <a:off x="9408264" y="5389400"/>
+            <a:ext cx="926325" cy="540000"/>
+          </a:xfrm>
+          <a:prstGeom prst="rect">
+            <a:avLst/>
+          </a:prstGeom>
+          <a:solidFill>
+            <a:schemeClr val="bg1">
+              <a:lumMod val="50000"/>
+            </a:schemeClr>
+          </a:solidFill>
+          <a:ln w="19050"/>
+        </p:spPr>
+        <p:style>
+          <a:lnRef idx="2">
+            <a:schemeClr val="accent1"/>
+          </a:lnRef>
+          <a:fillRef idx="1">
+            <a:schemeClr val="lt1"/>
+          </a:fillRef>
+          <a:effectRef idx="0">
+            <a:schemeClr val="accent1"/>
+          </a:effectRef>
+          <a:fontRef idx="minor">
+            <a:schemeClr val="dk1"/>
+          </a:fontRef>
+        </p:style>
+        <p:txBody>
+          <a:bodyPr lIns="124733" tIns="62367" rIns="124733" bIns="62367" rtlCol="0" anchor="ctr"/>
+          <a:lstStyle/>
+          <a:p>
+            <a:pPr algn="ctr"/>
+            <a:r>
+              <a:rPr lang="ru-RU" sz="700" dirty="0" smtClean="0"/>
+              <a:t>Ослабить демократические институты (после 1937) </a:t>
+            </a:r>
+            <a:r>
+              <a:rPr lang="ru-RU" sz="100" dirty="0" smtClean="0"/>
+              <a:t>(</a:t>
+            </a:r>
+            <a:r>
+              <a:rPr lang="ru-RU" sz="200" dirty="0"/>
+              <a:t>демократические политические институты, действительно, были демонтированы или ослаблены, а сами власти апеллировали к народу, видя в нем источник своей </a:t>
+            </a:r>
+            <a:r>
+              <a:rPr lang="ru-RU" sz="200" dirty="0" smtClean="0"/>
+              <a:t>власти)</a:t>
+            </a:r>
+            <a:endParaRPr lang="ru-RU" sz="100" dirty="0" smtClean="0"/>
+          </a:p>
+        </p:txBody>
+      </p:sp>
+      <p:sp>
+        <p:nvSpPr>
+          <p:cNvPr id="135" name="Прямоугольник 134"/>
+          <p:cNvSpPr/>
+          <p:nvPr/>
+        </p:nvSpPr>
+        <p:spPr>
+          <a:xfrm>
+            <a:off x="7166152" y="6249540"/>
+            <a:ext cx="926325" cy="540000"/>
+          </a:xfrm>
+          <a:prstGeom prst="rect">
+            <a:avLst/>
+          </a:prstGeom>
+          <a:solidFill>
+            <a:schemeClr val="bg1">
+              <a:lumMod val="50000"/>
+            </a:schemeClr>
+          </a:solidFill>
+          <a:ln w="19050"/>
+        </p:spPr>
+        <p:style>
+          <a:lnRef idx="2">
+            <a:schemeClr val="accent1"/>
+          </a:lnRef>
+          <a:fillRef idx="1">
+            <a:schemeClr val="lt1"/>
+          </a:fillRef>
+          <a:effectRef idx="0">
+            <a:schemeClr val="accent1"/>
+          </a:effectRef>
+          <a:fontRef idx="minor">
+            <a:schemeClr val="dk1"/>
+          </a:fontRef>
+        </p:style>
+        <p:txBody>
+          <a:bodyPr lIns="124733" tIns="62367" rIns="124733" bIns="62367" rtlCol="0" anchor="ctr"/>
+          <a:lstStyle/>
+          <a:p>
+            <a:pPr algn="ctr"/>
+            <a:r>
+              <a:rPr lang="ru-RU" sz="700" dirty="0" smtClean="0"/>
+              <a:t>Провести национализацию </a:t>
+            </a:r>
+            <a:r>
+              <a:rPr lang="ru-RU" sz="100" dirty="0" smtClean="0"/>
+              <a:t>(</a:t>
+            </a:r>
+            <a:r>
+              <a:rPr lang="ru-RU" sz="100" dirty="0"/>
+              <a:t>Например, Статья 144 Конституции предусматривала возможность более активного вмешательства государства в развитие экономики, декларируя необходимость «постепенной национализации шахт, рудников, водопадов, рудных запасов и других источников энергии, равно как и отраслей производства, </a:t>
+            </a:r>
+            <a:r>
+              <a:rPr lang="ru-RU" sz="100" dirty="0" err="1"/>
+              <a:t>являющихсяосновой</a:t>
+            </a:r>
+            <a:r>
+              <a:rPr lang="ru-RU" sz="100" dirty="0"/>
+              <a:t> для развития экономики и обороны нации»75. С другой стороны, использование тех же шахт, рудников и водопадов </a:t>
+            </a:r>
+            <a:r>
+              <a:rPr lang="ru-RU" sz="100" dirty="0" err="1"/>
+              <a:t>частнымилицами</a:t>
+            </a:r>
+            <a:r>
+              <a:rPr lang="ru-RU" sz="100" dirty="0"/>
+              <a:t> теперь зависело исключительно от решения государства.</a:t>
+            </a:r>
+            <a:r>
+              <a:rPr lang="ru-RU" sz="100" dirty="0" smtClean="0"/>
+              <a:t>)</a:t>
+            </a:r>
+            <a:endParaRPr lang="ru-RU" sz="100" dirty="0" smtClean="0"/>
+          </a:p>
+        </p:txBody>
+      </p:sp>
+      <p:cxnSp>
+        <p:nvCxnSpPr>
+          <p:cNvPr id="137" name="Соединительная линия уступом 136"/>
+          <p:cNvCxnSpPr>
+            <a:stCxn id="128" idx="2"/>
+            <a:endCxn id="135" idx="0"/>
+          </p:cNvCxnSpPr>
+          <p:nvPr/>
+        </p:nvCxnSpPr>
+        <p:spPr>
+          <a:xfrm rot="5400000">
+            <a:off x="8053775" y="5502120"/>
+            <a:ext cx="322961" cy="1171879"/>
+          </a:xfrm>
+          <a:prstGeom prst="bentConnector3">
+            <a:avLst>
+              <a:gd name="adj1" fmla="val 50000"/>
+            </a:avLst>
+          </a:prstGeom>
+          <a:ln w="19050">
+            <a:tailEnd type="arrow"/>
+          </a:ln>
+        </p:spPr>
+        <p:style>
+          <a:lnRef idx="1">
+            <a:schemeClr val="accent1"/>
+          </a:lnRef>
+          <a:fillRef idx="0">
+            <a:schemeClr val="accent1"/>
+          </a:fillRef>
+          <a:effectRef idx="0">
+            <a:schemeClr val="accent1"/>
+          </a:effectRef>
+          <a:fontRef idx="minor">
+            <a:schemeClr val="tx1"/>
+          </a:fontRef>
+        </p:style>
+      </p:cxnSp>
+      <p:cxnSp>
+        <p:nvCxnSpPr>
+          <p:cNvPr id="138" name="Соединительная линия уступом 137"/>
+          <p:cNvCxnSpPr>
+            <a:stCxn id="126" idx="2"/>
+            <a:endCxn id="134" idx="0"/>
+          </p:cNvCxnSpPr>
+          <p:nvPr/>
+        </p:nvCxnSpPr>
+        <p:spPr>
+          <a:xfrm rot="16200000" flipH="1">
+            <a:off x="9212417" y="4730389"/>
+            <a:ext cx="247789" cy="1070232"/>
+          </a:xfrm>
+          <a:prstGeom prst="bentConnector3">
+            <a:avLst>
+              <a:gd name="adj1" fmla="val 50000"/>
+            </a:avLst>
+          </a:prstGeom>
+          <a:ln w="19050">
+            <a:tailEnd type="arrow"/>
+          </a:ln>
+        </p:spPr>
+        <p:style>
+          <a:lnRef idx="1">
+            <a:schemeClr val="accent1"/>
+          </a:lnRef>
+          <a:fillRef idx="0">
+            <a:schemeClr val="accent1"/>
+          </a:fillRef>
+          <a:effectRef idx="0">
+            <a:schemeClr val="accent1"/>
+          </a:effectRef>
+          <a:fontRef idx="minor">
+            <a:schemeClr val="tx1"/>
+          </a:fontRef>
+        </p:style>
+      </p:cxnSp>
+      <p:cxnSp>
+        <p:nvCxnSpPr>
+          <p:cNvPr id="141" name="Прямая со стрелкой 140"/>
+          <p:cNvCxnSpPr>
+            <a:stCxn id="126" idx="2"/>
+            <a:endCxn id="128" idx="0"/>
+          </p:cNvCxnSpPr>
+          <p:nvPr/>
+        </p:nvCxnSpPr>
+        <p:spPr>
+          <a:xfrm flipH="1">
+            <a:off x="8801194" y="5141611"/>
+            <a:ext cx="1" cy="244968"/>
+          </a:xfrm>
+          <a:prstGeom prst="straightConnector1">
+            <a:avLst/>
+          </a:prstGeom>
+          <a:ln w="19050">
+            <a:tailEnd type="arrow"/>
+          </a:ln>
+        </p:spPr>
+        <p:style>
+          <a:lnRef idx="1">
+            <a:schemeClr val="accent1"/>
+          </a:lnRef>
+          <a:fillRef idx="0">
+            <a:schemeClr val="accent1"/>
+          </a:fillRef>
+          <a:effectRef idx="0">
+            <a:schemeClr val="accent1"/>
+          </a:effectRef>
+          <a:fontRef idx="minor">
+            <a:schemeClr val="tx1"/>
+          </a:fontRef>
+        </p:style>
+      </p:cxnSp>
+      <p:sp>
+        <p:nvSpPr>
+          <p:cNvPr id="147" name="Прямоугольник 146"/>
+          <p:cNvSpPr/>
+          <p:nvPr/>
+        </p:nvSpPr>
+        <p:spPr>
+          <a:xfrm>
+            <a:off x="4485176" y="10128497"/>
+            <a:ext cx="926325" cy="540000"/>
+          </a:xfrm>
+          <a:prstGeom prst="rect">
+            <a:avLst/>
+          </a:prstGeom>
+          <a:solidFill>
+            <a:schemeClr val="bg1">
+              <a:lumMod val="50000"/>
+            </a:schemeClr>
+          </a:solidFill>
+          <a:ln w="19050"/>
+        </p:spPr>
+        <p:style>
+          <a:lnRef idx="2">
+            <a:schemeClr val="accent1"/>
+          </a:lnRef>
+          <a:fillRef idx="1">
+            <a:schemeClr val="lt1"/>
+          </a:fillRef>
+          <a:effectRef idx="0">
+            <a:schemeClr val="accent1"/>
+          </a:effectRef>
+          <a:fontRef idx="minor">
+            <a:schemeClr val="dk1"/>
+          </a:fontRef>
+        </p:style>
+        <p:txBody>
+          <a:bodyPr lIns="124733" tIns="62367" rIns="124733" bIns="62367" rtlCol="0" anchor="ctr"/>
+          <a:lstStyle/>
+          <a:p>
+            <a:pPr algn="ctr"/>
+            <a:r>
+              <a:rPr lang="ru-RU" sz="700" dirty="0" smtClean="0"/>
+              <a:t>Заменить импортные </a:t>
+            </a:r>
+            <a:r>
+              <a:rPr lang="ru-RU" sz="700" dirty="0"/>
+              <a:t>товары собственными </a:t>
+            </a:r>
+            <a:r>
+              <a:rPr lang="ru-RU" sz="300" dirty="0"/>
+              <a:t>(Изменилось и соотношение импортных и бразильских товаров </a:t>
+            </a:r>
+            <a:r>
+              <a:rPr lang="ru-RU" sz="300" dirty="0" err="1"/>
+              <a:t>навнутреннем</a:t>
+            </a:r>
+            <a:r>
+              <a:rPr lang="ru-RU" sz="300" dirty="0"/>
+              <a:t> рынке, с 22 % в 1929 до 13 % в 1939 </a:t>
+            </a:r>
+            <a:r>
+              <a:rPr lang="ru-RU" sz="300" dirty="0" smtClean="0"/>
+              <a:t>году)</a:t>
+            </a:r>
+            <a:endParaRPr lang="ru-RU" sz="100" dirty="0" smtClean="0"/>
+          </a:p>
+        </p:txBody>
+      </p:sp>
+      <p:cxnSp>
+        <p:nvCxnSpPr>
+          <p:cNvPr id="150" name="Соединительная линия уступом 149"/>
+          <p:cNvCxnSpPr>
+            <a:stCxn id="34" idx="2"/>
+            <a:endCxn id="147" idx="0"/>
+          </p:cNvCxnSpPr>
+          <p:nvPr/>
+        </p:nvCxnSpPr>
+        <p:spPr>
+          <a:xfrm rot="5400000">
+            <a:off x="4649102" y="9294859"/>
+            <a:ext cx="1132876" cy="534401"/>
+          </a:xfrm>
+          <a:prstGeom prst="bentConnector3">
+            <a:avLst>
+              <a:gd name="adj1" fmla="val 9993"/>
+            </a:avLst>
+          </a:prstGeom>
+          <a:ln w="19050">
+            <a:tailEnd type="arrow"/>
+          </a:ln>
+        </p:spPr>
+        <p:style>
+          <a:lnRef idx="1">
+            <a:schemeClr val="accent1"/>
+          </a:lnRef>
+          <a:fillRef idx="0">
+            <a:schemeClr val="accent1"/>
+          </a:fillRef>
+          <a:effectRef idx="0">
+            <a:schemeClr val="accent1"/>
+          </a:effectRef>
+          <a:fontRef idx="minor">
+            <a:schemeClr val="tx1"/>
+          </a:fontRef>
+        </p:style>
+      </p:cxnSp>
     </p:spTree>
     <p:extLst>
       <p:ext uri="{BB962C8B-B14F-4D97-AF65-F5344CB8AC3E}">
